--- a/Architecture.pptx
+++ b/Architecture.pptx
@@ -6,6 +6,8 @@
   </p:sldMasterIdLst>
   <p:sldIdLst>
     <p:sldId id="256" r:id="rId2"/>
+    <p:sldId id="257" r:id="rId3"/>
+    <p:sldId id="258" r:id="rId4"/>
   </p:sldIdLst>
   <p:sldSz cx="12192000" cy="6858000"/>
   <p:notesSz cx="6858000" cy="9144000"/>
@@ -104,6 +106,11 @@
       </a:defRPr>
     </a:lvl9pPr>
   </p:defaultTextStyle>
+  <p:extLst>
+    <p:ext uri="{EFAFB233-063F-42B5-8137-9DF3F51BA10A}">
+      <p15:sldGuideLst xmlns:p15="http://schemas.microsoft.com/office/powerpoint/2012/main"/>
+    </p:ext>
+  </p:extLst>
 </p:presentation>
 </file>
 
@@ -254,7 +261,7 @@
           <a:p>
             <a:fld id="{2518BDEF-2D22-42A7-A47C-AA5A5B0D488F}" type="datetimeFigureOut">
               <a:rPr lang="ko-KR" altLang="en-US" smtClean="0"/>
-              <a:t>2026-01-01</a:t>
+              <a:t>2026-01-03</a:t>
             </a:fld>
             <a:endParaRPr lang="ko-KR" altLang="en-US"/>
           </a:p>
@@ -452,7 +459,7 @@
           <a:p>
             <a:fld id="{2518BDEF-2D22-42A7-A47C-AA5A5B0D488F}" type="datetimeFigureOut">
               <a:rPr lang="ko-KR" altLang="en-US" smtClean="0"/>
-              <a:t>2026-01-01</a:t>
+              <a:t>2026-01-03</a:t>
             </a:fld>
             <a:endParaRPr lang="ko-KR" altLang="en-US"/>
           </a:p>
@@ -660,7 +667,7 @@
           <a:p>
             <a:fld id="{2518BDEF-2D22-42A7-A47C-AA5A5B0D488F}" type="datetimeFigureOut">
               <a:rPr lang="ko-KR" altLang="en-US" smtClean="0"/>
-              <a:t>2026-01-01</a:t>
+              <a:t>2026-01-03</a:t>
             </a:fld>
             <a:endParaRPr lang="ko-KR" altLang="en-US"/>
           </a:p>
@@ -858,7 +865,7 @@
           <a:p>
             <a:fld id="{2518BDEF-2D22-42A7-A47C-AA5A5B0D488F}" type="datetimeFigureOut">
               <a:rPr lang="ko-KR" altLang="en-US" smtClean="0"/>
-              <a:t>2026-01-01</a:t>
+              <a:t>2026-01-03</a:t>
             </a:fld>
             <a:endParaRPr lang="ko-KR" altLang="en-US"/>
           </a:p>
@@ -1133,7 +1140,7 @@
           <a:p>
             <a:fld id="{2518BDEF-2D22-42A7-A47C-AA5A5B0D488F}" type="datetimeFigureOut">
               <a:rPr lang="ko-KR" altLang="en-US" smtClean="0"/>
-              <a:t>2026-01-01</a:t>
+              <a:t>2026-01-03</a:t>
             </a:fld>
             <a:endParaRPr lang="ko-KR" altLang="en-US"/>
           </a:p>
@@ -1398,7 +1405,7 @@
           <a:p>
             <a:fld id="{2518BDEF-2D22-42A7-A47C-AA5A5B0D488F}" type="datetimeFigureOut">
               <a:rPr lang="ko-KR" altLang="en-US" smtClean="0"/>
-              <a:t>2026-01-01</a:t>
+              <a:t>2026-01-03</a:t>
             </a:fld>
             <a:endParaRPr lang="ko-KR" altLang="en-US"/>
           </a:p>
@@ -1810,7 +1817,7 @@
           <a:p>
             <a:fld id="{2518BDEF-2D22-42A7-A47C-AA5A5B0D488F}" type="datetimeFigureOut">
               <a:rPr lang="ko-KR" altLang="en-US" smtClean="0"/>
-              <a:t>2026-01-01</a:t>
+              <a:t>2026-01-03</a:t>
             </a:fld>
             <a:endParaRPr lang="ko-KR" altLang="en-US"/>
           </a:p>
@@ -1951,7 +1958,7 @@
           <a:p>
             <a:fld id="{2518BDEF-2D22-42A7-A47C-AA5A5B0D488F}" type="datetimeFigureOut">
               <a:rPr lang="ko-KR" altLang="en-US" smtClean="0"/>
-              <a:t>2026-01-01</a:t>
+              <a:t>2026-01-03</a:t>
             </a:fld>
             <a:endParaRPr lang="ko-KR" altLang="en-US"/>
           </a:p>
@@ -2064,7 +2071,7 @@
           <a:p>
             <a:fld id="{2518BDEF-2D22-42A7-A47C-AA5A5B0D488F}" type="datetimeFigureOut">
               <a:rPr lang="ko-KR" altLang="en-US" smtClean="0"/>
-              <a:t>2026-01-01</a:t>
+              <a:t>2026-01-03</a:t>
             </a:fld>
             <a:endParaRPr lang="ko-KR" altLang="en-US"/>
           </a:p>
@@ -2375,7 +2382,7 @@
           <a:p>
             <a:fld id="{2518BDEF-2D22-42A7-A47C-AA5A5B0D488F}" type="datetimeFigureOut">
               <a:rPr lang="ko-KR" altLang="en-US" smtClean="0"/>
-              <a:t>2026-01-01</a:t>
+              <a:t>2026-01-03</a:t>
             </a:fld>
             <a:endParaRPr lang="ko-KR" altLang="en-US"/>
           </a:p>
@@ -2663,7 +2670,7 @@
           <a:p>
             <a:fld id="{2518BDEF-2D22-42A7-A47C-AA5A5B0D488F}" type="datetimeFigureOut">
               <a:rPr lang="ko-KR" altLang="en-US" smtClean="0"/>
-              <a:t>2026-01-01</a:t>
+              <a:t>2026-01-03</a:t>
             </a:fld>
             <a:endParaRPr lang="ko-KR" altLang="en-US"/>
           </a:p>
@@ -2904,7 +2911,7 @@
           <a:p>
             <a:fld id="{2518BDEF-2D22-42A7-A47C-AA5A5B0D488F}" type="datetimeFigureOut">
               <a:rPr lang="ko-KR" altLang="en-US" smtClean="0"/>
-              <a:t>2026-01-01</a:t>
+              <a:t>2026-01-03</a:t>
             </a:fld>
             <a:endParaRPr lang="ko-KR" altLang="en-US"/>
           </a:p>
@@ -3887,6 +3894,911 @@
     <p:extLst>
       <p:ext uri="{BB962C8B-B14F-4D97-AF65-F5344CB8AC3E}">
         <p14:creationId xmlns:p14="http://schemas.microsoft.com/office/powerpoint/2010/main" val="958752631"/>
+      </p:ext>
+    </p:extLst>
+  </p:cSld>
+  <p:clrMapOvr>
+    <a:masterClrMapping/>
+  </p:clrMapOvr>
+</p:sld>
+</file>
+
+<file path=ppt/slides/slide2.xml><?xml version="1.0" encoding="utf-8"?>
+<p:sld xmlns:a="http://schemas.openxmlformats.org/drawingml/2006/main" xmlns:r="http://schemas.openxmlformats.org/officeDocument/2006/relationships" xmlns:p="http://schemas.openxmlformats.org/presentationml/2006/main">
+  <p:cSld>
+    <p:spTree>
+      <p:nvGrpSpPr>
+        <p:cNvPr id="1" name=""/>
+        <p:cNvGrpSpPr/>
+        <p:nvPr/>
+      </p:nvGrpSpPr>
+      <p:grpSpPr>
+        <a:xfrm>
+          <a:off x="0" y="0"/>
+          <a:ext cx="0" cy="0"/>
+          <a:chOff x="0" y="0"/>
+          <a:chExt cx="0" cy="0"/>
+        </a:xfrm>
+      </p:grpSpPr>
+      <p:pic>
+        <p:nvPicPr>
+          <p:cNvPr id="5" name="그림 4" descr="텍스트, 스크린샷, 소프트웨어이(가) 표시된 사진&#10;&#10;AI 생성 콘텐츠는 정확하지 않을 수 있습니다.">
+            <a:extLst>
+              <a:ext uri="{FF2B5EF4-FFF2-40B4-BE49-F238E27FC236}">
+                <a16:creationId xmlns:a16="http://schemas.microsoft.com/office/drawing/2014/main" id="{7409DD6E-0468-94EB-0E41-76958106085F}"/>
+              </a:ext>
+            </a:extLst>
+          </p:cNvPr>
+          <p:cNvPicPr>
+            <a:picLocks noChangeAspect="1"/>
+          </p:cNvPicPr>
+          <p:nvPr/>
+        </p:nvPicPr>
+        <p:blipFill>
+          <a:blip r:embed="rId2"/>
+          <a:stretch>
+            <a:fillRect/>
+          </a:stretch>
+        </p:blipFill>
+        <p:spPr>
+          <a:xfrm>
+            <a:off x="244662" y="625964"/>
+            <a:ext cx="2651335" cy="4651780"/>
+          </a:xfrm>
+          <a:prstGeom prst="rect">
+            <a:avLst/>
+          </a:prstGeom>
+        </p:spPr>
+      </p:pic>
+      <p:sp>
+        <p:nvSpPr>
+          <p:cNvPr id="6" name="TextBox 5">
+            <a:extLst>
+              <a:ext uri="{FF2B5EF4-FFF2-40B4-BE49-F238E27FC236}">
+                <a16:creationId xmlns:a16="http://schemas.microsoft.com/office/drawing/2014/main" id="{B594CD9F-58FE-CC93-B234-2C096CBC642C}"/>
+              </a:ext>
+            </a:extLst>
+          </p:cNvPr>
+          <p:cNvSpPr txBox="1"/>
+          <p:nvPr/>
+        </p:nvSpPr>
+        <p:spPr>
+          <a:xfrm>
+            <a:off x="128875" y="147286"/>
+            <a:ext cx="1651414" cy="369332"/>
+          </a:xfrm>
+          <a:prstGeom prst="rect">
+            <a:avLst/>
+          </a:prstGeom>
+          <a:noFill/>
+        </p:spPr>
+        <p:txBody>
+          <a:bodyPr wrap="none" rtlCol="0">
+            <a:spAutoFit/>
+          </a:bodyPr>
+          <a:lstStyle/>
+          <a:p>
+            <a:r>
+              <a:rPr lang="ko-KR" altLang="en-US" dirty="0"/>
+              <a:t>프로젝트 구조</a:t>
+            </a:r>
+          </a:p>
+        </p:txBody>
+      </p:sp>
+      <p:sp>
+        <p:nvSpPr>
+          <p:cNvPr id="7" name="TextBox 6">
+            <a:extLst>
+              <a:ext uri="{FF2B5EF4-FFF2-40B4-BE49-F238E27FC236}">
+                <a16:creationId xmlns:a16="http://schemas.microsoft.com/office/drawing/2014/main" id="{5F84207A-B9DE-579A-20AB-F0242FDD0BC9}"/>
+              </a:ext>
+            </a:extLst>
+          </p:cNvPr>
+          <p:cNvSpPr txBox="1"/>
+          <p:nvPr/>
+        </p:nvSpPr>
+        <p:spPr>
+          <a:xfrm>
+            <a:off x="4768381" y="147286"/>
+            <a:ext cx="1651414" cy="369332"/>
+          </a:xfrm>
+          <a:prstGeom prst="rect">
+            <a:avLst/>
+          </a:prstGeom>
+          <a:noFill/>
+        </p:spPr>
+        <p:txBody>
+          <a:bodyPr wrap="none" rtlCol="0">
+            <a:spAutoFit/>
+          </a:bodyPr>
+          <a:lstStyle/>
+          <a:p>
+            <a:r>
+              <a:rPr lang="ko-KR" altLang="en-US" dirty="0"/>
+              <a:t>프로젝트 흐름</a:t>
+            </a:r>
+          </a:p>
+        </p:txBody>
+      </p:sp>
+      <p:sp>
+        <p:nvSpPr>
+          <p:cNvPr id="8" name="TextBox 7">
+            <a:extLst>
+              <a:ext uri="{FF2B5EF4-FFF2-40B4-BE49-F238E27FC236}">
+                <a16:creationId xmlns:a16="http://schemas.microsoft.com/office/drawing/2014/main" id="{ABD26EFC-E7EB-B15B-31A4-B0DB3C2AEDD0}"/>
+              </a:ext>
+            </a:extLst>
+          </p:cNvPr>
+          <p:cNvSpPr txBox="1"/>
+          <p:nvPr/>
+        </p:nvSpPr>
+        <p:spPr>
+          <a:xfrm>
+            <a:off x="4768381" y="748703"/>
+            <a:ext cx="5347939" cy="369332"/>
+          </a:xfrm>
+          <a:prstGeom prst="rect">
+            <a:avLst/>
+          </a:prstGeom>
+          <a:noFill/>
+        </p:spPr>
+        <p:txBody>
+          <a:bodyPr wrap="none" rtlCol="0">
+            <a:spAutoFit/>
+          </a:bodyPr>
+          <a:lstStyle/>
+          <a:p>
+            <a:r>
+              <a:rPr lang="ko-KR" altLang="en-US" dirty="0"/>
+              <a:t>타입 정의 → 데이터 준비 → 화면 조립 → </a:t>
+            </a:r>
+            <a:r>
+              <a:rPr lang="en-US" altLang="ko-KR" dirty="0"/>
+              <a:t>UI </a:t>
+            </a:r>
+            <a:r>
+              <a:rPr lang="ko-KR" altLang="en-US" dirty="0"/>
+              <a:t>표현</a:t>
+            </a:r>
+          </a:p>
+        </p:txBody>
+      </p:sp>
+      <p:sp>
+        <p:nvSpPr>
+          <p:cNvPr id="9" name="TextBox 8">
+            <a:extLst>
+              <a:ext uri="{FF2B5EF4-FFF2-40B4-BE49-F238E27FC236}">
+                <a16:creationId xmlns:a16="http://schemas.microsoft.com/office/drawing/2014/main" id="{3286DF76-E41B-8933-7B67-30A0506F8C9F}"/>
+              </a:ext>
+            </a:extLst>
+          </p:cNvPr>
+          <p:cNvSpPr txBox="1"/>
+          <p:nvPr/>
+        </p:nvSpPr>
+        <p:spPr>
+          <a:xfrm>
+            <a:off x="4872708" y="1082330"/>
+            <a:ext cx="941925" cy="307777"/>
+          </a:xfrm>
+          <a:prstGeom prst="rect">
+            <a:avLst/>
+          </a:prstGeom>
+          <a:noFill/>
+        </p:spPr>
+        <p:txBody>
+          <a:bodyPr wrap="none" rtlCol="0">
+            <a:spAutoFit/>
+          </a:bodyPr>
+          <a:lstStyle/>
+          <a:p>
+            <a:r>
+              <a:rPr lang="en-US" altLang="ko-KR" sz="1400" dirty="0"/>
+              <a:t>(features)</a:t>
+            </a:r>
+            <a:endParaRPr lang="ko-KR" altLang="en-US" sz="1400" dirty="0"/>
+          </a:p>
+        </p:txBody>
+      </p:sp>
+      <p:sp>
+        <p:nvSpPr>
+          <p:cNvPr id="10" name="TextBox 9">
+            <a:extLst>
+              <a:ext uri="{FF2B5EF4-FFF2-40B4-BE49-F238E27FC236}">
+                <a16:creationId xmlns:a16="http://schemas.microsoft.com/office/drawing/2014/main" id="{002CA54C-B1D3-9FE2-AF08-533B3A7AB300}"/>
+              </a:ext>
+            </a:extLst>
+          </p:cNvPr>
+          <p:cNvSpPr txBox="1"/>
+          <p:nvPr/>
+        </p:nvSpPr>
+        <p:spPr>
+          <a:xfrm>
+            <a:off x="6419795" y="1082330"/>
+            <a:ext cx="782587" cy="307777"/>
+          </a:xfrm>
+          <a:prstGeom prst="rect">
+            <a:avLst/>
+          </a:prstGeom>
+          <a:noFill/>
+        </p:spPr>
+        <p:txBody>
+          <a:bodyPr wrap="none" rtlCol="0">
+            <a:spAutoFit/>
+          </a:bodyPr>
+          <a:lstStyle/>
+          <a:p>
+            <a:r>
+              <a:rPr lang="en-US" altLang="ko-KR" sz="1400" dirty="0"/>
+              <a:t>(hooks)</a:t>
+            </a:r>
+            <a:endParaRPr lang="ko-KR" altLang="en-US" sz="1400" dirty="0"/>
+          </a:p>
+        </p:txBody>
+      </p:sp>
+      <p:sp>
+        <p:nvSpPr>
+          <p:cNvPr id="11" name="TextBox 10">
+            <a:extLst>
+              <a:ext uri="{FF2B5EF4-FFF2-40B4-BE49-F238E27FC236}">
+                <a16:creationId xmlns:a16="http://schemas.microsoft.com/office/drawing/2014/main" id="{D9C26291-6957-8FB5-3C03-2539A0EE882E}"/>
+              </a:ext>
+            </a:extLst>
+          </p:cNvPr>
+          <p:cNvSpPr txBox="1"/>
+          <p:nvPr/>
+        </p:nvSpPr>
+        <p:spPr>
+          <a:xfrm>
+            <a:off x="7929475" y="1082330"/>
+            <a:ext cx="773610" cy="307777"/>
+          </a:xfrm>
+          <a:prstGeom prst="rect">
+            <a:avLst/>
+          </a:prstGeom>
+          <a:noFill/>
+        </p:spPr>
+        <p:txBody>
+          <a:bodyPr wrap="none" rtlCol="0">
+            <a:spAutoFit/>
+          </a:bodyPr>
+          <a:lstStyle/>
+          <a:p>
+            <a:r>
+              <a:rPr lang="en-US" altLang="ko-KR" sz="1400" dirty="0"/>
+              <a:t>(pages)</a:t>
+            </a:r>
+            <a:endParaRPr lang="ko-KR" altLang="en-US" sz="1400" dirty="0"/>
+          </a:p>
+        </p:txBody>
+      </p:sp>
+      <p:sp>
+        <p:nvSpPr>
+          <p:cNvPr id="12" name="TextBox 11">
+            <a:extLst>
+              <a:ext uri="{FF2B5EF4-FFF2-40B4-BE49-F238E27FC236}">
+                <a16:creationId xmlns:a16="http://schemas.microsoft.com/office/drawing/2014/main" id="{BCE91FF8-DC99-F7C4-08BC-B0655E629922}"/>
+              </a:ext>
+            </a:extLst>
+          </p:cNvPr>
+          <p:cNvSpPr txBox="1"/>
+          <p:nvPr/>
+        </p:nvSpPr>
+        <p:spPr>
+          <a:xfrm>
+            <a:off x="8991161" y="1082330"/>
+            <a:ext cx="1305165" cy="307777"/>
+          </a:xfrm>
+          <a:prstGeom prst="rect">
+            <a:avLst/>
+          </a:prstGeom>
+          <a:noFill/>
+        </p:spPr>
+        <p:txBody>
+          <a:bodyPr wrap="none" rtlCol="0">
+            <a:spAutoFit/>
+          </a:bodyPr>
+          <a:lstStyle/>
+          <a:p>
+            <a:r>
+              <a:rPr lang="en-US" altLang="ko-KR" sz="1400" dirty="0"/>
+              <a:t>(components)</a:t>
+            </a:r>
+            <a:endParaRPr lang="ko-KR" altLang="en-US" sz="1400" dirty="0"/>
+          </a:p>
+        </p:txBody>
+      </p:sp>
+    </p:spTree>
+    <p:extLst>
+      <p:ext uri="{BB962C8B-B14F-4D97-AF65-F5344CB8AC3E}">
+        <p14:creationId xmlns:p14="http://schemas.microsoft.com/office/powerpoint/2010/main" val="1765167673"/>
+      </p:ext>
+    </p:extLst>
+  </p:cSld>
+  <p:clrMapOvr>
+    <a:masterClrMapping/>
+  </p:clrMapOvr>
+</p:sld>
+</file>
+
+<file path=ppt/slides/slide3.xml><?xml version="1.0" encoding="utf-8"?>
+<p:sld xmlns:a="http://schemas.openxmlformats.org/drawingml/2006/main" xmlns:r="http://schemas.openxmlformats.org/officeDocument/2006/relationships" xmlns:p="http://schemas.openxmlformats.org/presentationml/2006/main">
+  <p:cSld>
+    <p:spTree>
+      <p:nvGrpSpPr>
+        <p:cNvPr id="1" name=""/>
+        <p:cNvGrpSpPr/>
+        <p:nvPr/>
+      </p:nvGrpSpPr>
+      <p:grpSpPr>
+        <a:xfrm>
+          <a:off x="0" y="0"/>
+          <a:ext cx="0" cy="0"/>
+          <a:chOff x="0" y="0"/>
+          <a:chExt cx="0" cy="0"/>
+        </a:xfrm>
+      </p:grpSpPr>
+      <p:sp>
+        <p:nvSpPr>
+          <p:cNvPr id="4" name="TextBox 3">
+            <a:extLst>
+              <a:ext uri="{FF2B5EF4-FFF2-40B4-BE49-F238E27FC236}">
+                <a16:creationId xmlns:a16="http://schemas.microsoft.com/office/drawing/2014/main" id="{2BFAA341-C0CB-CF01-E7FB-7F4F65C65E83}"/>
+              </a:ext>
+            </a:extLst>
+          </p:cNvPr>
+          <p:cNvSpPr txBox="1"/>
+          <p:nvPr/>
+        </p:nvSpPr>
+        <p:spPr>
+          <a:xfrm>
+            <a:off x="319120" y="270024"/>
+            <a:ext cx="2460902" cy="369332"/>
+          </a:xfrm>
+          <a:prstGeom prst="rect">
+            <a:avLst/>
+          </a:prstGeom>
+          <a:noFill/>
+        </p:spPr>
+        <p:txBody>
+          <a:bodyPr wrap="square" rtlCol="0">
+            <a:spAutoFit/>
+          </a:bodyPr>
+          <a:lstStyle/>
+          <a:p>
+            <a:r>
+              <a:rPr lang="en-US" altLang="ko-KR" dirty="0"/>
+              <a:t>React </a:t>
+            </a:r>
+            <a:r>
+              <a:rPr lang="ko-KR" altLang="en-US" dirty="0"/>
+              <a:t>개념 정리</a:t>
+            </a:r>
+          </a:p>
+        </p:txBody>
+      </p:sp>
+      <p:sp>
+        <p:nvSpPr>
+          <p:cNvPr id="5" name="TextBox 4">
+            <a:extLst>
+              <a:ext uri="{FF2B5EF4-FFF2-40B4-BE49-F238E27FC236}">
+                <a16:creationId xmlns:a16="http://schemas.microsoft.com/office/drawing/2014/main" id="{553EF11D-1EC8-1C4E-29F1-669CB677EA07}"/>
+              </a:ext>
+            </a:extLst>
+          </p:cNvPr>
+          <p:cNvSpPr txBox="1"/>
+          <p:nvPr/>
+        </p:nvSpPr>
+        <p:spPr>
+          <a:xfrm>
+            <a:off x="466405" y="945085"/>
+            <a:ext cx="3724096" cy="369332"/>
+          </a:xfrm>
+          <a:prstGeom prst="rect">
+            <a:avLst/>
+          </a:prstGeom>
+          <a:noFill/>
+        </p:spPr>
+        <p:txBody>
+          <a:bodyPr wrap="none" rtlCol="0">
+            <a:spAutoFit/>
+          </a:bodyPr>
+          <a:lstStyle/>
+          <a:p>
+            <a:r>
+              <a:rPr lang="en-US" altLang="ko-KR" dirty="0"/>
+              <a:t>Component : </a:t>
+            </a:r>
+            <a:r>
+              <a:rPr lang="ko-KR" altLang="en-US" dirty="0"/>
+              <a:t>화면을 그리는 함수</a:t>
+            </a:r>
+          </a:p>
+        </p:txBody>
+      </p:sp>
+      <p:pic>
+        <p:nvPicPr>
+          <p:cNvPr id="9" name="그림 8" descr="텍스트, 스크린샷, 폰트이(가) 표시된 사진&#10;&#10;AI 생성 콘텐츠는 정확하지 않을 수 있습니다.">
+            <a:extLst>
+              <a:ext uri="{FF2B5EF4-FFF2-40B4-BE49-F238E27FC236}">
+                <a16:creationId xmlns:a16="http://schemas.microsoft.com/office/drawing/2014/main" id="{C51E30B4-A964-0386-8FA3-9DA621FA9DD3}"/>
+              </a:ext>
+            </a:extLst>
+          </p:cNvPr>
+          <p:cNvPicPr>
+            <a:picLocks noChangeAspect="1"/>
+          </p:cNvPicPr>
+          <p:nvPr/>
+        </p:nvPicPr>
+        <p:blipFill>
+          <a:blip r:embed="rId2"/>
+          <a:stretch>
+            <a:fillRect/>
+          </a:stretch>
+        </p:blipFill>
+        <p:spPr>
+          <a:xfrm>
+            <a:off x="518570" y="1867029"/>
+            <a:ext cx="3671932" cy="1850997"/>
+          </a:xfrm>
+          <a:prstGeom prst="rect">
+            <a:avLst/>
+          </a:prstGeom>
+        </p:spPr>
+      </p:pic>
+      <p:sp>
+        <p:nvSpPr>
+          <p:cNvPr id="10" name="TextBox 9">
+            <a:extLst>
+              <a:ext uri="{FF2B5EF4-FFF2-40B4-BE49-F238E27FC236}">
+                <a16:creationId xmlns:a16="http://schemas.microsoft.com/office/drawing/2014/main" id="{23E77E05-0022-C70E-B408-64CBDC90A44E}"/>
+              </a:ext>
+            </a:extLst>
+          </p:cNvPr>
+          <p:cNvSpPr txBox="1"/>
+          <p:nvPr/>
+        </p:nvSpPr>
+        <p:spPr>
+          <a:xfrm>
+            <a:off x="632102" y="1314417"/>
+            <a:ext cx="1033681" cy="461665"/>
+          </a:xfrm>
+          <a:prstGeom prst="rect">
+            <a:avLst/>
+          </a:prstGeom>
+          <a:noFill/>
+        </p:spPr>
+        <p:txBody>
+          <a:bodyPr wrap="none" rtlCol="0">
+            <a:spAutoFit/>
+          </a:bodyPr>
+          <a:lstStyle/>
+          <a:p>
+            <a:r>
+              <a:rPr lang="ko-KR" altLang="en-US" sz="1200" dirty="0"/>
+              <a:t>입력 </a:t>
+            </a:r>
+            <a:r>
+              <a:rPr lang="en-US" altLang="ko-KR" sz="1200" dirty="0"/>
+              <a:t>: props</a:t>
+            </a:r>
+          </a:p>
+          <a:p>
+            <a:r>
+              <a:rPr lang="ko-KR" altLang="en-US" sz="1200" dirty="0"/>
+              <a:t>출력 </a:t>
+            </a:r>
+            <a:r>
+              <a:rPr lang="en-US" altLang="ko-KR" sz="1200" dirty="0"/>
+              <a:t>: JSX </a:t>
+            </a:r>
+            <a:endParaRPr lang="ko-KR" altLang="en-US" sz="1200" dirty="0"/>
+          </a:p>
+        </p:txBody>
+      </p:sp>
+      <p:sp>
+        <p:nvSpPr>
+          <p:cNvPr id="13" name="TextBox 12">
+            <a:extLst>
+              <a:ext uri="{FF2B5EF4-FFF2-40B4-BE49-F238E27FC236}">
+                <a16:creationId xmlns:a16="http://schemas.microsoft.com/office/drawing/2014/main" id="{A5E0DFC2-19BC-6D90-5FD6-56D918DBC6EA}"/>
+              </a:ext>
+            </a:extLst>
+          </p:cNvPr>
+          <p:cNvSpPr txBox="1"/>
+          <p:nvPr/>
+        </p:nvSpPr>
+        <p:spPr>
+          <a:xfrm>
+            <a:off x="5308430" y="1049412"/>
+            <a:ext cx="3754554" cy="369332"/>
+          </a:xfrm>
+          <a:prstGeom prst="rect">
+            <a:avLst/>
+          </a:prstGeom>
+          <a:noFill/>
+        </p:spPr>
+        <p:txBody>
+          <a:bodyPr wrap="none" rtlCol="0">
+            <a:spAutoFit/>
+          </a:bodyPr>
+          <a:lstStyle/>
+          <a:p>
+            <a:r>
+              <a:rPr lang="en-US" altLang="ko-KR" dirty="0"/>
+              <a:t>JSX</a:t>
+            </a:r>
+            <a:r>
+              <a:rPr lang="ko-KR" altLang="en-US" dirty="0"/>
+              <a:t> </a:t>
+            </a:r>
+            <a:r>
+              <a:rPr lang="en-US" altLang="ko-KR" dirty="0"/>
+              <a:t>:</a:t>
+            </a:r>
+            <a:r>
+              <a:rPr lang="ko-KR" altLang="en-US" dirty="0"/>
+              <a:t> </a:t>
+            </a:r>
+            <a:r>
+              <a:rPr lang="en-US" altLang="ko-KR" dirty="0"/>
+              <a:t>JS</a:t>
+            </a:r>
+            <a:r>
+              <a:rPr lang="ko-KR" altLang="en-US" dirty="0"/>
+              <a:t> </a:t>
+            </a:r>
+            <a:r>
+              <a:rPr lang="en-US" altLang="ko-KR" dirty="0"/>
+              <a:t>+</a:t>
+            </a:r>
+            <a:r>
+              <a:rPr lang="ko-KR" altLang="en-US" dirty="0"/>
+              <a:t> </a:t>
+            </a:r>
+            <a:r>
+              <a:rPr lang="en-US" altLang="ko-KR" dirty="0"/>
+              <a:t>HTML</a:t>
+            </a:r>
+            <a:r>
+              <a:rPr lang="ko-KR" altLang="en-US" dirty="0"/>
+              <a:t> 처럼 보이는 문법</a:t>
+            </a:r>
+          </a:p>
+        </p:txBody>
+      </p:sp>
+      <p:pic>
+        <p:nvPicPr>
+          <p:cNvPr id="15" name="그림 14">
+            <a:extLst>
+              <a:ext uri="{FF2B5EF4-FFF2-40B4-BE49-F238E27FC236}">
+                <a16:creationId xmlns:a16="http://schemas.microsoft.com/office/drawing/2014/main" id="{80F778B8-E10D-6933-D4ED-DA6512690CEF}"/>
+              </a:ext>
+            </a:extLst>
+          </p:cNvPr>
+          <p:cNvPicPr>
+            <a:picLocks noChangeAspect="1"/>
+          </p:cNvPicPr>
+          <p:nvPr/>
+        </p:nvPicPr>
+        <p:blipFill>
+          <a:blip r:embed="rId3"/>
+          <a:stretch>
+            <a:fillRect/>
+          </a:stretch>
+        </p:blipFill>
+        <p:spPr>
+          <a:xfrm>
+            <a:off x="5308431" y="1776082"/>
+            <a:ext cx="3043908" cy="235440"/>
+          </a:xfrm>
+          <a:prstGeom prst="rect">
+            <a:avLst/>
+          </a:prstGeom>
+        </p:spPr>
+      </p:pic>
+      <p:sp>
+        <p:nvSpPr>
+          <p:cNvPr id="16" name="화살표: 오른쪽 15">
+            <a:extLst>
+              <a:ext uri="{FF2B5EF4-FFF2-40B4-BE49-F238E27FC236}">
+                <a16:creationId xmlns:a16="http://schemas.microsoft.com/office/drawing/2014/main" id="{0C9B34C2-0507-7461-6FD4-88D954285AC0}"/>
+              </a:ext>
+            </a:extLst>
+          </p:cNvPr>
+          <p:cNvSpPr/>
+          <p:nvPr/>
+        </p:nvSpPr>
+        <p:spPr>
+          <a:xfrm rot="5400000">
+            <a:off x="6630935" y="2218492"/>
+            <a:ext cx="398899" cy="165697"/>
+          </a:xfrm>
+          <a:prstGeom prst="rightArrow">
+            <a:avLst/>
+          </a:prstGeom>
+          <a:solidFill>
+            <a:schemeClr val="tx2">
+              <a:lumMod val="25000"/>
+              <a:lumOff val="75000"/>
+            </a:schemeClr>
+          </a:solidFill>
+          <a:ln>
+            <a:noFill/>
+          </a:ln>
+        </p:spPr>
+        <p:style>
+          <a:lnRef idx="2">
+            <a:schemeClr val="accent1">
+              <a:shade val="15000"/>
+            </a:schemeClr>
+          </a:lnRef>
+          <a:fillRef idx="1">
+            <a:schemeClr val="accent1"/>
+          </a:fillRef>
+          <a:effectRef idx="0">
+            <a:schemeClr val="accent1"/>
+          </a:effectRef>
+          <a:fontRef idx="minor">
+            <a:schemeClr val="lt1"/>
+          </a:fontRef>
+        </p:style>
+        <p:txBody>
+          <a:bodyPr rtlCol="0" anchor="ctr"/>
+          <a:lstStyle/>
+          <a:p>
+            <a:pPr algn="ctr"/>
+            <a:endParaRPr lang="ko-KR" altLang="en-US" dirty="0"/>
+          </a:p>
+        </p:txBody>
+      </p:sp>
+      <p:pic>
+        <p:nvPicPr>
+          <p:cNvPr id="18" name="그림 17">
+            <a:extLst>
+              <a:ext uri="{FF2B5EF4-FFF2-40B4-BE49-F238E27FC236}">
+                <a16:creationId xmlns:a16="http://schemas.microsoft.com/office/drawing/2014/main" id="{BA091CC9-29E3-7B6D-A191-8CC21397518B}"/>
+              </a:ext>
+            </a:extLst>
+          </p:cNvPr>
+          <p:cNvPicPr>
+            <a:picLocks noChangeAspect="1"/>
+          </p:cNvPicPr>
+          <p:nvPr/>
+        </p:nvPicPr>
+        <p:blipFill>
+          <a:blip r:embed="rId4"/>
+          <a:stretch>
+            <a:fillRect/>
+          </a:stretch>
+        </p:blipFill>
+        <p:spPr>
+          <a:xfrm>
+            <a:off x="5308430" y="2591159"/>
+            <a:ext cx="3043909" cy="267213"/>
+          </a:xfrm>
+          <a:prstGeom prst="rect">
+            <a:avLst/>
+          </a:prstGeom>
+        </p:spPr>
+      </p:pic>
+      <p:sp>
+        <p:nvSpPr>
+          <p:cNvPr id="19" name="TextBox 18">
+            <a:extLst>
+              <a:ext uri="{FF2B5EF4-FFF2-40B4-BE49-F238E27FC236}">
+                <a16:creationId xmlns:a16="http://schemas.microsoft.com/office/drawing/2014/main" id="{1E0E4007-A9C5-0F05-07CD-80A95F9547BE}"/>
+              </a:ext>
+            </a:extLst>
+          </p:cNvPr>
+          <p:cNvSpPr txBox="1"/>
+          <p:nvPr/>
+        </p:nvSpPr>
+        <p:spPr>
+          <a:xfrm>
+            <a:off x="6913233" y="2060050"/>
+            <a:ext cx="2194832" cy="461665"/>
+          </a:xfrm>
+          <a:prstGeom prst="rect">
+            <a:avLst/>
+          </a:prstGeom>
+          <a:noFill/>
+        </p:spPr>
+        <p:txBody>
+          <a:bodyPr wrap="none" rtlCol="0">
+            <a:spAutoFit/>
+          </a:bodyPr>
+          <a:lstStyle/>
+          <a:p>
+            <a:r>
+              <a:rPr lang="en-US" altLang="ko-KR" sz="1200" dirty="0"/>
+              <a:t>HTML</a:t>
+            </a:r>
+            <a:r>
+              <a:rPr lang="ko-KR" altLang="en-US" sz="1200" dirty="0"/>
+              <a:t> 태그처럼 생겼지만</a:t>
+            </a:r>
+            <a:endParaRPr lang="en-US" altLang="ko-KR" sz="1200" dirty="0"/>
+          </a:p>
+          <a:p>
+            <a:r>
+              <a:rPr lang="ko-KR" altLang="en-US" sz="1200" dirty="0"/>
+              <a:t>실제로는</a:t>
+            </a:r>
+            <a:r>
+              <a:rPr lang="en-US" altLang="ko-KR" sz="1200" dirty="0"/>
+              <a:t> </a:t>
+            </a:r>
+            <a:r>
+              <a:rPr lang="ko-KR" altLang="en-US" sz="1200" dirty="0"/>
+              <a:t>화면을 그리는 함수</a:t>
+            </a:r>
+          </a:p>
+        </p:txBody>
+      </p:sp>
+      <p:cxnSp>
+        <p:nvCxnSpPr>
+          <p:cNvPr id="24" name="연결선: 꺾임 23">
+            <a:extLst>
+              <a:ext uri="{FF2B5EF4-FFF2-40B4-BE49-F238E27FC236}">
+                <a16:creationId xmlns:a16="http://schemas.microsoft.com/office/drawing/2014/main" id="{3AED8A07-5D2A-B5C1-DDF3-8B844F5907C7}"/>
+              </a:ext>
+            </a:extLst>
+          </p:cNvPr>
+          <p:cNvCxnSpPr>
+            <a:endCxn id="13" idx="1"/>
+          </p:cNvCxnSpPr>
+          <p:nvPr/>
+        </p:nvCxnSpPr>
+        <p:spPr>
+          <a:xfrm flipV="1">
+            <a:off x="1472859" y="1234078"/>
+            <a:ext cx="3835571" cy="416752"/>
+          </a:xfrm>
+          <a:prstGeom prst="bentConnector3">
+            <a:avLst>
+              <a:gd name="adj1" fmla="val 74800"/>
+            </a:avLst>
+          </a:prstGeom>
+          <a:ln>
+            <a:tailEnd type="triangle"/>
+          </a:ln>
+        </p:spPr>
+        <p:style>
+          <a:lnRef idx="2">
+            <a:schemeClr val="accent1"/>
+          </a:lnRef>
+          <a:fillRef idx="0">
+            <a:schemeClr val="accent1"/>
+          </a:fillRef>
+          <a:effectRef idx="1">
+            <a:schemeClr val="accent1"/>
+          </a:effectRef>
+          <a:fontRef idx="minor">
+            <a:schemeClr val="tx1"/>
+          </a:fontRef>
+        </p:style>
+      </p:cxnSp>
+      <p:cxnSp>
+        <p:nvCxnSpPr>
+          <p:cNvPr id="27" name="연결선: 꺾임 26">
+            <a:extLst>
+              <a:ext uri="{FF2B5EF4-FFF2-40B4-BE49-F238E27FC236}">
+                <a16:creationId xmlns:a16="http://schemas.microsoft.com/office/drawing/2014/main" id="{811AF1E6-ABCB-EBB5-C2F1-28B087D231CF}"/>
+              </a:ext>
+            </a:extLst>
+          </p:cNvPr>
+          <p:cNvCxnSpPr>
+            <a:cxnSpLocks/>
+          </p:cNvCxnSpPr>
+          <p:nvPr/>
+        </p:nvCxnSpPr>
+        <p:spPr>
+          <a:xfrm>
+            <a:off x="1549571" y="1442454"/>
+            <a:ext cx="3756707" cy="2031039"/>
+          </a:xfrm>
+          <a:prstGeom prst="bentConnector3">
+            <a:avLst>
+              <a:gd name="adj1" fmla="val 90350"/>
+            </a:avLst>
+          </a:prstGeom>
+          <a:ln>
+            <a:tailEnd type="triangle"/>
+          </a:ln>
+        </p:spPr>
+        <p:style>
+          <a:lnRef idx="2">
+            <a:schemeClr val="accent1"/>
+          </a:lnRef>
+          <a:fillRef idx="0">
+            <a:schemeClr val="accent1"/>
+          </a:fillRef>
+          <a:effectRef idx="1">
+            <a:schemeClr val="accent1"/>
+          </a:effectRef>
+          <a:fontRef idx="minor">
+            <a:schemeClr val="tx1"/>
+          </a:fontRef>
+        </p:style>
+      </p:cxnSp>
+      <p:sp>
+        <p:nvSpPr>
+          <p:cNvPr id="31" name="TextBox 30">
+            <a:extLst>
+              <a:ext uri="{FF2B5EF4-FFF2-40B4-BE49-F238E27FC236}">
+                <a16:creationId xmlns:a16="http://schemas.microsoft.com/office/drawing/2014/main" id="{C4E7B02A-EEF9-C0C7-64C5-DAE849E34F91}"/>
+              </a:ext>
+            </a:extLst>
+          </p:cNvPr>
+          <p:cNvSpPr txBox="1"/>
+          <p:nvPr/>
+        </p:nvSpPr>
+        <p:spPr>
+          <a:xfrm>
+            <a:off x="5439985" y="3277378"/>
+            <a:ext cx="4461414" cy="369332"/>
+          </a:xfrm>
+          <a:prstGeom prst="rect">
+            <a:avLst/>
+          </a:prstGeom>
+          <a:noFill/>
+        </p:spPr>
+        <p:txBody>
+          <a:bodyPr wrap="none" rtlCol="0">
+            <a:spAutoFit/>
+          </a:bodyPr>
+          <a:lstStyle/>
+          <a:p>
+            <a:r>
+              <a:rPr lang="en-US" altLang="ko-KR" dirty="0"/>
+              <a:t>Props : </a:t>
+            </a:r>
+            <a:r>
+              <a:rPr lang="ko-KR" altLang="en-US" dirty="0"/>
+              <a:t>부모가 자식에게 내려주는 데이터</a:t>
+            </a:r>
+          </a:p>
+        </p:txBody>
+      </p:sp>
+      <p:sp>
+        <p:nvSpPr>
+          <p:cNvPr id="32" name="TextBox 31">
+            <a:extLst>
+              <a:ext uri="{FF2B5EF4-FFF2-40B4-BE49-F238E27FC236}">
+                <a16:creationId xmlns:a16="http://schemas.microsoft.com/office/drawing/2014/main" id="{FF44F66C-A1C7-21CD-0C12-2376510A9074}"/>
+              </a:ext>
+            </a:extLst>
+          </p:cNvPr>
+          <p:cNvSpPr txBox="1"/>
+          <p:nvPr/>
+        </p:nvSpPr>
+        <p:spPr>
+          <a:xfrm>
+            <a:off x="5618344" y="3614035"/>
+            <a:ext cx="1832553" cy="276999"/>
+          </a:xfrm>
+          <a:prstGeom prst="rect">
+            <a:avLst/>
+          </a:prstGeom>
+          <a:noFill/>
+        </p:spPr>
+        <p:txBody>
+          <a:bodyPr wrap="none" rtlCol="0">
+            <a:spAutoFit/>
+          </a:bodyPr>
+          <a:lstStyle/>
+          <a:p>
+            <a:r>
+              <a:rPr lang="ko-KR" altLang="en-US" sz="1200" dirty="0"/>
+              <a:t>자식은 읽기만 가능하다</a:t>
+            </a:r>
+          </a:p>
+        </p:txBody>
+      </p:sp>
+    </p:spTree>
+    <p:extLst>
+      <p:ext uri="{BB962C8B-B14F-4D97-AF65-F5344CB8AC3E}">
+        <p14:creationId xmlns:p14="http://schemas.microsoft.com/office/powerpoint/2010/main" val="3665313509"/>
       </p:ext>
     </p:extLst>
   </p:cSld>
